--- a/Documentation/ábrák/ábrák.pptx
+++ b/Documentation/ábrák/ábrák.pptx
@@ -6,6 +6,7 @@
   </p:sldMasterIdLst>
   <p:sldIdLst>
     <p:sldId id="257" r:id="rId2"/>
+    <p:sldId id="258" r:id="rId3"/>
   </p:sldIdLst>
   <p:sldSz cx="12192000" cy="6858000"/>
   <p:notesSz cx="6858000" cy="9144000"/>
@@ -259,7 +260,7 @@
           <a:p>
             <a:fld id="{2C416926-C79B-4F1F-B57A-76D5000C68ED}" type="datetimeFigureOut">
               <a:rPr lang="hu-HU" smtClean="0"/>
-              <a:t>2022. 05. 07.</a:t>
+              <a:t>2022. 05. 12.</a:t>
             </a:fld>
             <a:endParaRPr lang="hu-HU"/>
           </a:p>
@@ -457,7 +458,7 @@
           <a:p>
             <a:fld id="{2C416926-C79B-4F1F-B57A-76D5000C68ED}" type="datetimeFigureOut">
               <a:rPr lang="hu-HU" smtClean="0"/>
-              <a:t>2022. 05. 07.</a:t>
+              <a:t>2022. 05. 12.</a:t>
             </a:fld>
             <a:endParaRPr lang="hu-HU"/>
           </a:p>
@@ -665,7 +666,7 @@
           <a:p>
             <a:fld id="{2C416926-C79B-4F1F-B57A-76D5000C68ED}" type="datetimeFigureOut">
               <a:rPr lang="hu-HU" smtClean="0"/>
-              <a:t>2022. 05. 07.</a:t>
+              <a:t>2022. 05. 12.</a:t>
             </a:fld>
             <a:endParaRPr lang="hu-HU"/>
           </a:p>
@@ -863,7 +864,7 @@
           <a:p>
             <a:fld id="{2C416926-C79B-4F1F-B57A-76D5000C68ED}" type="datetimeFigureOut">
               <a:rPr lang="hu-HU" smtClean="0"/>
-              <a:t>2022. 05. 07.</a:t>
+              <a:t>2022. 05. 12.</a:t>
             </a:fld>
             <a:endParaRPr lang="hu-HU"/>
           </a:p>
@@ -1138,7 +1139,7 @@
           <a:p>
             <a:fld id="{2C416926-C79B-4F1F-B57A-76D5000C68ED}" type="datetimeFigureOut">
               <a:rPr lang="hu-HU" smtClean="0"/>
-              <a:t>2022. 05. 07.</a:t>
+              <a:t>2022. 05. 12.</a:t>
             </a:fld>
             <a:endParaRPr lang="hu-HU"/>
           </a:p>
@@ -1403,7 +1404,7 @@
           <a:p>
             <a:fld id="{2C416926-C79B-4F1F-B57A-76D5000C68ED}" type="datetimeFigureOut">
               <a:rPr lang="hu-HU" smtClean="0"/>
-              <a:t>2022. 05. 07.</a:t>
+              <a:t>2022. 05. 12.</a:t>
             </a:fld>
             <a:endParaRPr lang="hu-HU"/>
           </a:p>
@@ -1815,7 +1816,7 @@
           <a:p>
             <a:fld id="{2C416926-C79B-4F1F-B57A-76D5000C68ED}" type="datetimeFigureOut">
               <a:rPr lang="hu-HU" smtClean="0"/>
-              <a:t>2022. 05. 07.</a:t>
+              <a:t>2022. 05. 12.</a:t>
             </a:fld>
             <a:endParaRPr lang="hu-HU"/>
           </a:p>
@@ -1956,7 +1957,7 @@
           <a:p>
             <a:fld id="{2C416926-C79B-4F1F-B57A-76D5000C68ED}" type="datetimeFigureOut">
               <a:rPr lang="hu-HU" smtClean="0"/>
-              <a:t>2022. 05. 07.</a:t>
+              <a:t>2022. 05. 12.</a:t>
             </a:fld>
             <a:endParaRPr lang="hu-HU"/>
           </a:p>
@@ -2069,7 +2070,7 @@
           <a:p>
             <a:fld id="{2C416926-C79B-4F1F-B57A-76D5000C68ED}" type="datetimeFigureOut">
               <a:rPr lang="hu-HU" smtClean="0"/>
-              <a:t>2022. 05. 07.</a:t>
+              <a:t>2022. 05. 12.</a:t>
             </a:fld>
             <a:endParaRPr lang="hu-HU"/>
           </a:p>
@@ -2380,7 +2381,7 @@
           <a:p>
             <a:fld id="{2C416926-C79B-4F1F-B57A-76D5000C68ED}" type="datetimeFigureOut">
               <a:rPr lang="hu-HU" smtClean="0"/>
-              <a:t>2022. 05. 07.</a:t>
+              <a:t>2022. 05. 12.</a:t>
             </a:fld>
             <a:endParaRPr lang="hu-HU"/>
           </a:p>
@@ -2668,7 +2669,7 @@
           <a:p>
             <a:fld id="{2C416926-C79B-4F1F-B57A-76D5000C68ED}" type="datetimeFigureOut">
               <a:rPr lang="hu-HU" smtClean="0"/>
-              <a:t>2022. 05. 07.</a:t>
+              <a:t>2022. 05. 12.</a:t>
             </a:fld>
             <a:endParaRPr lang="hu-HU"/>
           </a:p>
@@ -2909,7 +2910,7 @@
           <a:p>
             <a:fld id="{2C416926-C79B-4F1F-B57A-76D5000C68ED}" type="datetimeFigureOut">
               <a:rPr lang="hu-HU" smtClean="0"/>
-              <a:t>2022. 05. 07.</a:t>
+              <a:t>2022. 05. 12.</a:t>
             </a:fld>
             <a:endParaRPr lang="hu-HU"/>
           </a:p>
@@ -5982,6 +5983,1530 @@
 </p:sld>
 </file>
 
+<file path=ppt/slides/slide2.xml><?xml version="1.0" encoding="utf-8"?>
+<p:sld xmlns:a="http://schemas.openxmlformats.org/drawingml/2006/main" xmlns:r="http://schemas.openxmlformats.org/officeDocument/2006/relationships" xmlns:p="http://schemas.openxmlformats.org/presentationml/2006/main">
+  <p:cSld>
+    <p:spTree>
+      <p:nvGrpSpPr>
+        <p:cNvPr id="1" name=""/>
+        <p:cNvGrpSpPr/>
+        <p:nvPr/>
+      </p:nvGrpSpPr>
+      <p:grpSpPr>
+        <a:xfrm>
+          <a:off x="0" y="0"/>
+          <a:ext cx="0" cy="0"/>
+          <a:chOff x="0" y="0"/>
+          <a:chExt cx="0" cy="0"/>
+        </a:xfrm>
+      </p:grpSpPr>
+      <p:sp>
+        <p:nvSpPr>
+          <p:cNvPr id="2" name="Téglalap: lekerekített 1">
+            <a:extLst>
+              <a:ext uri="{FF2B5EF4-FFF2-40B4-BE49-F238E27FC236}">
+                <a16:creationId xmlns:a16="http://schemas.microsoft.com/office/drawing/2014/main" id="{A459CE37-C049-9021-CB6F-58A573B2C1FE}"/>
+              </a:ext>
+            </a:extLst>
+          </p:cNvPr>
+          <p:cNvSpPr/>
+          <p:nvPr/>
+        </p:nvSpPr>
+        <p:spPr>
+          <a:xfrm>
+            <a:off x="562583" y="1643974"/>
+            <a:ext cx="1248383" cy="680937"/>
+          </a:xfrm>
+          <a:prstGeom prst="roundRect">
+            <a:avLst/>
+          </a:prstGeom>
+          <a:solidFill>
+            <a:srgbClr val="91C4B1"/>
+          </a:solidFill>
+          <a:ln>
+            <a:noFill/>
+          </a:ln>
+        </p:spPr>
+        <p:style>
+          <a:lnRef idx="2">
+            <a:schemeClr val="accent1">
+              <a:shade val="50000"/>
+            </a:schemeClr>
+          </a:lnRef>
+          <a:fillRef idx="1">
+            <a:schemeClr val="accent1"/>
+          </a:fillRef>
+          <a:effectRef idx="0">
+            <a:schemeClr val="accent1"/>
+          </a:effectRef>
+          <a:fontRef idx="minor">
+            <a:schemeClr val="lt1"/>
+          </a:fontRef>
+        </p:style>
+        <p:txBody>
+          <a:bodyPr rtlCol="0" anchor="ctr"/>
+          <a:lstStyle/>
+          <a:p>
+            <a:pPr algn="ctr"/>
+            <a:r>
+              <a:rPr lang="hu-HU" dirty="0"/>
+              <a:t>Főmenü</a:t>
+            </a:r>
+          </a:p>
+        </p:txBody>
+      </p:sp>
+      <p:sp>
+        <p:nvSpPr>
+          <p:cNvPr id="3" name="Téglalap: lekerekített 2">
+            <a:extLst>
+              <a:ext uri="{FF2B5EF4-FFF2-40B4-BE49-F238E27FC236}">
+                <a16:creationId xmlns:a16="http://schemas.microsoft.com/office/drawing/2014/main" id="{741D3AF0-B574-B9E0-A854-1AC127341E6F}"/>
+              </a:ext>
+            </a:extLst>
+          </p:cNvPr>
+          <p:cNvSpPr/>
+          <p:nvPr/>
+        </p:nvSpPr>
+        <p:spPr>
+          <a:xfrm>
+            <a:off x="491246" y="262647"/>
+            <a:ext cx="11220855" cy="535021"/>
+          </a:xfrm>
+          <a:prstGeom prst="roundRect">
+            <a:avLst/>
+          </a:prstGeom>
+          <a:solidFill>
+            <a:schemeClr val="tx1">
+              <a:lumMod val="50000"/>
+              <a:lumOff val="50000"/>
+            </a:schemeClr>
+          </a:solidFill>
+          <a:ln>
+            <a:noFill/>
+          </a:ln>
+        </p:spPr>
+        <p:style>
+          <a:lnRef idx="2">
+            <a:schemeClr val="accent1">
+              <a:shade val="50000"/>
+            </a:schemeClr>
+          </a:lnRef>
+          <a:fillRef idx="1">
+            <a:schemeClr val="accent1"/>
+          </a:fillRef>
+          <a:effectRef idx="0">
+            <a:schemeClr val="accent1"/>
+          </a:effectRef>
+          <a:fontRef idx="minor">
+            <a:schemeClr val="lt1"/>
+          </a:fontRef>
+        </p:style>
+        <p:txBody>
+          <a:bodyPr rtlCol="0" anchor="ctr"/>
+          <a:lstStyle/>
+          <a:p>
+            <a:pPr algn="ctr"/>
+            <a:r>
+              <a:rPr lang="hu-HU" dirty="0"/>
+              <a:t>Navigációs sáv</a:t>
+            </a:r>
+          </a:p>
+        </p:txBody>
+      </p:sp>
+      <p:sp>
+        <p:nvSpPr>
+          <p:cNvPr id="4" name="Téglalap: lekerekített 3">
+            <a:extLst>
+              <a:ext uri="{FF2B5EF4-FFF2-40B4-BE49-F238E27FC236}">
+                <a16:creationId xmlns:a16="http://schemas.microsoft.com/office/drawing/2014/main" id="{44BA45DE-C097-428D-6FC0-8EF8A43F15D7}"/>
+              </a:ext>
+            </a:extLst>
+          </p:cNvPr>
+          <p:cNvSpPr/>
+          <p:nvPr/>
+        </p:nvSpPr>
+        <p:spPr>
+          <a:xfrm>
+            <a:off x="9923835" y="1707204"/>
+            <a:ext cx="1614791" cy="734440"/>
+          </a:xfrm>
+          <a:prstGeom prst="roundRect">
+            <a:avLst/>
+          </a:prstGeom>
+          <a:solidFill>
+            <a:srgbClr val="91C4B1"/>
+          </a:solidFill>
+          <a:ln>
+            <a:noFill/>
+          </a:ln>
+        </p:spPr>
+        <p:style>
+          <a:lnRef idx="2">
+            <a:schemeClr val="accent1">
+              <a:shade val="50000"/>
+            </a:schemeClr>
+          </a:lnRef>
+          <a:fillRef idx="1">
+            <a:schemeClr val="accent1"/>
+          </a:fillRef>
+          <a:effectRef idx="0">
+            <a:schemeClr val="accent1"/>
+          </a:effectRef>
+          <a:fontRef idx="minor">
+            <a:schemeClr val="lt1"/>
+          </a:fontRef>
+        </p:style>
+        <p:txBody>
+          <a:bodyPr rtlCol="0" anchor="ctr"/>
+          <a:lstStyle/>
+          <a:p>
+            <a:pPr algn="ctr"/>
+            <a:r>
+              <a:rPr lang="hu-HU" dirty="0"/>
+              <a:t>Eredmények</a:t>
+            </a:r>
+          </a:p>
+        </p:txBody>
+      </p:sp>
+      <p:sp>
+        <p:nvSpPr>
+          <p:cNvPr id="5" name="Téglalap: lekerekített 4">
+            <a:extLst>
+              <a:ext uri="{FF2B5EF4-FFF2-40B4-BE49-F238E27FC236}">
+                <a16:creationId xmlns:a16="http://schemas.microsoft.com/office/drawing/2014/main" id="{7853A3F7-781E-A7C5-812E-D504C6A7D3FC}"/>
+              </a:ext>
+            </a:extLst>
+          </p:cNvPr>
+          <p:cNvSpPr/>
+          <p:nvPr/>
+        </p:nvSpPr>
+        <p:spPr>
+          <a:xfrm>
+            <a:off x="2505160" y="1707203"/>
+            <a:ext cx="1336694" cy="617709"/>
+          </a:xfrm>
+          <a:prstGeom prst="roundRect">
+            <a:avLst/>
+          </a:prstGeom>
+          <a:solidFill>
+            <a:srgbClr val="91C4B1"/>
+          </a:solidFill>
+          <a:ln>
+            <a:noFill/>
+          </a:ln>
+        </p:spPr>
+        <p:style>
+          <a:lnRef idx="2">
+            <a:schemeClr val="accent1">
+              <a:shade val="50000"/>
+            </a:schemeClr>
+          </a:lnRef>
+          <a:fillRef idx="1">
+            <a:schemeClr val="accent1"/>
+          </a:fillRef>
+          <a:effectRef idx="0">
+            <a:schemeClr val="accent1"/>
+          </a:effectRef>
+          <a:fontRef idx="minor">
+            <a:schemeClr val="lt1"/>
+          </a:fontRef>
+        </p:style>
+        <p:txBody>
+          <a:bodyPr rtlCol="0" anchor="ctr"/>
+          <a:lstStyle/>
+          <a:p>
+            <a:pPr algn="ctr"/>
+            <a:r>
+              <a:rPr lang="hu-HU" dirty="0"/>
+              <a:t>Játékosok</a:t>
+            </a:r>
+          </a:p>
+        </p:txBody>
+      </p:sp>
+      <p:sp>
+        <p:nvSpPr>
+          <p:cNvPr id="6" name="Téglalap: lekerekített 5">
+            <a:extLst>
+              <a:ext uri="{FF2B5EF4-FFF2-40B4-BE49-F238E27FC236}">
+                <a16:creationId xmlns:a16="http://schemas.microsoft.com/office/drawing/2014/main" id="{21ECE399-DA83-1E6C-1DB8-0D9DE33D4F8D}"/>
+              </a:ext>
+            </a:extLst>
+          </p:cNvPr>
+          <p:cNvSpPr/>
+          <p:nvPr/>
+        </p:nvSpPr>
+        <p:spPr>
+          <a:xfrm>
+            <a:off x="4409873" y="1712066"/>
+            <a:ext cx="1413466" cy="612846"/>
+          </a:xfrm>
+          <a:prstGeom prst="roundRect">
+            <a:avLst/>
+          </a:prstGeom>
+          <a:solidFill>
+            <a:srgbClr val="91C4B1"/>
+          </a:solidFill>
+          <a:ln>
+            <a:noFill/>
+          </a:ln>
+        </p:spPr>
+        <p:style>
+          <a:lnRef idx="2">
+            <a:schemeClr val="accent1">
+              <a:shade val="50000"/>
+            </a:schemeClr>
+          </a:lnRef>
+          <a:fillRef idx="1">
+            <a:schemeClr val="accent1"/>
+          </a:fillRef>
+          <a:effectRef idx="0">
+            <a:schemeClr val="accent1"/>
+          </a:effectRef>
+          <a:fontRef idx="minor">
+            <a:schemeClr val="lt1"/>
+          </a:fontRef>
+        </p:style>
+        <p:txBody>
+          <a:bodyPr rtlCol="0" anchor="ctr"/>
+          <a:lstStyle/>
+          <a:p>
+            <a:pPr algn="ctr"/>
+            <a:r>
+              <a:rPr lang="hu-HU" dirty="0"/>
+              <a:t>Kérdéssorok</a:t>
+            </a:r>
+          </a:p>
+        </p:txBody>
+      </p:sp>
+      <p:cxnSp>
+        <p:nvCxnSpPr>
+          <p:cNvPr id="31" name="Egyenes összekötő nyíllal 30">
+            <a:extLst>
+              <a:ext uri="{FF2B5EF4-FFF2-40B4-BE49-F238E27FC236}">
+                <a16:creationId xmlns:a16="http://schemas.microsoft.com/office/drawing/2014/main" id="{15AF86A6-2BB2-7AA3-D52F-25830D62D6BD}"/>
+              </a:ext>
+            </a:extLst>
+          </p:cNvPr>
+          <p:cNvCxnSpPr>
+            <a:cxnSpLocks/>
+            <a:stCxn id="2" idx="0"/>
+          </p:cNvCxnSpPr>
+          <p:nvPr/>
+        </p:nvCxnSpPr>
+        <p:spPr>
+          <a:xfrm flipH="1" flipV="1">
+            <a:off x="1186774" y="790375"/>
+            <a:ext cx="1" cy="853599"/>
+          </a:xfrm>
+          <a:prstGeom prst="straightConnector1">
+            <a:avLst/>
+          </a:prstGeom>
+          <a:ln w="57150">
+            <a:solidFill>
+              <a:srgbClr val="578791"/>
+            </a:solidFill>
+            <a:headEnd type="triangle"/>
+            <a:tailEnd type="triangle"/>
+          </a:ln>
+        </p:spPr>
+        <p:style>
+          <a:lnRef idx="1">
+            <a:schemeClr val="accent1"/>
+          </a:lnRef>
+          <a:fillRef idx="0">
+            <a:schemeClr val="accent1"/>
+          </a:fillRef>
+          <a:effectRef idx="0">
+            <a:schemeClr val="accent1"/>
+          </a:effectRef>
+          <a:fontRef idx="minor">
+            <a:schemeClr val="tx1"/>
+          </a:fontRef>
+        </p:style>
+      </p:cxnSp>
+      <p:cxnSp>
+        <p:nvCxnSpPr>
+          <p:cNvPr id="35" name="Egyenes összekötő nyíllal 34">
+            <a:extLst>
+              <a:ext uri="{FF2B5EF4-FFF2-40B4-BE49-F238E27FC236}">
+                <a16:creationId xmlns:a16="http://schemas.microsoft.com/office/drawing/2014/main" id="{0BBE6568-A8C6-1474-F74A-A281A9E40FFD}"/>
+              </a:ext>
+            </a:extLst>
+          </p:cNvPr>
+          <p:cNvCxnSpPr>
+            <a:cxnSpLocks/>
+            <a:stCxn id="5" idx="0"/>
+          </p:cNvCxnSpPr>
+          <p:nvPr/>
+        </p:nvCxnSpPr>
+        <p:spPr>
+          <a:xfrm flipH="1" flipV="1">
+            <a:off x="3171573" y="790375"/>
+            <a:ext cx="1934" cy="916828"/>
+          </a:xfrm>
+          <a:prstGeom prst="straightConnector1">
+            <a:avLst/>
+          </a:prstGeom>
+          <a:ln w="57150">
+            <a:solidFill>
+              <a:srgbClr val="578791"/>
+            </a:solidFill>
+            <a:headEnd type="triangle"/>
+            <a:tailEnd type="triangle"/>
+          </a:ln>
+        </p:spPr>
+        <p:style>
+          <a:lnRef idx="1">
+            <a:schemeClr val="accent1"/>
+          </a:lnRef>
+          <a:fillRef idx="0">
+            <a:schemeClr val="accent1"/>
+          </a:fillRef>
+          <a:effectRef idx="0">
+            <a:schemeClr val="accent1"/>
+          </a:effectRef>
+          <a:fontRef idx="minor">
+            <a:schemeClr val="tx1"/>
+          </a:fontRef>
+        </p:style>
+      </p:cxnSp>
+      <p:cxnSp>
+        <p:nvCxnSpPr>
+          <p:cNvPr id="36" name="Egyenes összekötő nyíllal 35">
+            <a:extLst>
+              <a:ext uri="{FF2B5EF4-FFF2-40B4-BE49-F238E27FC236}">
+                <a16:creationId xmlns:a16="http://schemas.microsoft.com/office/drawing/2014/main" id="{B5E87787-2CE3-3C7D-AC53-7A84DFEE5516}"/>
+              </a:ext>
+            </a:extLst>
+          </p:cNvPr>
+          <p:cNvCxnSpPr>
+            <a:cxnSpLocks/>
+            <a:stCxn id="6" idx="0"/>
+          </p:cNvCxnSpPr>
+          <p:nvPr/>
+        </p:nvCxnSpPr>
+        <p:spPr>
+          <a:xfrm flipH="1" flipV="1">
+            <a:off x="5116605" y="790375"/>
+            <a:ext cx="1" cy="921691"/>
+          </a:xfrm>
+          <a:prstGeom prst="straightConnector1">
+            <a:avLst/>
+          </a:prstGeom>
+          <a:ln w="57150">
+            <a:solidFill>
+              <a:srgbClr val="578791"/>
+            </a:solidFill>
+            <a:headEnd type="triangle"/>
+            <a:tailEnd type="triangle"/>
+          </a:ln>
+        </p:spPr>
+        <p:style>
+          <a:lnRef idx="1">
+            <a:schemeClr val="accent1"/>
+          </a:lnRef>
+          <a:fillRef idx="0">
+            <a:schemeClr val="accent1"/>
+          </a:fillRef>
+          <a:effectRef idx="0">
+            <a:schemeClr val="accent1"/>
+          </a:effectRef>
+          <a:fontRef idx="minor">
+            <a:schemeClr val="tx1"/>
+          </a:fontRef>
+        </p:style>
+      </p:cxnSp>
+      <p:cxnSp>
+        <p:nvCxnSpPr>
+          <p:cNvPr id="41" name="Egyenes összekötő nyíllal 40">
+            <a:extLst>
+              <a:ext uri="{FF2B5EF4-FFF2-40B4-BE49-F238E27FC236}">
+                <a16:creationId xmlns:a16="http://schemas.microsoft.com/office/drawing/2014/main" id="{C576DE60-2CF0-26E8-96E6-EB66469D7F00}"/>
+              </a:ext>
+            </a:extLst>
+          </p:cNvPr>
+          <p:cNvCxnSpPr>
+            <a:cxnSpLocks/>
+            <a:stCxn id="4" idx="0"/>
+          </p:cNvCxnSpPr>
+          <p:nvPr/>
+        </p:nvCxnSpPr>
+        <p:spPr>
+          <a:xfrm flipV="1">
+            <a:off x="10731231" y="790375"/>
+            <a:ext cx="19454" cy="916829"/>
+          </a:xfrm>
+          <a:prstGeom prst="straightConnector1">
+            <a:avLst/>
+          </a:prstGeom>
+          <a:ln w="57150">
+            <a:solidFill>
+              <a:srgbClr val="578791"/>
+            </a:solidFill>
+            <a:headEnd type="triangle"/>
+            <a:tailEnd type="triangle"/>
+          </a:ln>
+        </p:spPr>
+        <p:style>
+          <a:lnRef idx="1">
+            <a:schemeClr val="accent1"/>
+          </a:lnRef>
+          <a:fillRef idx="0">
+            <a:schemeClr val="accent1"/>
+          </a:fillRef>
+          <a:effectRef idx="0">
+            <a:schemeClr val="accent1"/>
+          </a:effectRef>
+          <a:fontRef idx="minor">
+            <a:schemeClr val="tx1"/>
+          </a:fontRef>
+        </p:style>
+      </p:cxnSp>
+      <p:cxnSp>
+        <p:nvCxnSpPr>
+          <p:cNvPr id="48" name="Összekötő: szögletes 47">
+            <a:extLst>
+              <a:ext uri="{FF2B5EF4-FFF2-40B4-BE49-F238E27FC236}">
+                <a16:creationId xmlns:a16="http://schemas.microsoft.com/office/drawing/2014/main" id="{CFAA89A3-376F-91C8-7FDC-203DE80745AE}"/>
+              </a:ext>
+            </a:extLst>
+          </p:cNvPr>
+          <p:cNvCxnSpPr>
+            <a:cxnSpLocks/>
+            <a:stCxn id="53" idx="0"/>
+            <a:endCxn id="4" idx="2"/>
+          </p:cNvCxnSpPr>
+          <p:nvPr/>
+        </p:nvCxnSpPr>
+        <p:spPr>
+          <a:xfrm rot="5400000" flipH="1" flipV="1">
+            <a:off x="8539537" y="2526384"/>
+            <a:ext cx="2276434" cy="2106954"/>
+          </a:xfrm>
+          <a:prstGeom prst="bentConnector3">
+            <a:avLst>
+              <a:gd name="adj1" fmla="val 50000"/>
+            </a:avLst>
+          </a:prstGeom>
+          <a:ln w="57150">
+            <a:solidFill>
+              <a:srgbClr val="578791"/>
+            </a:solidFill>
+            <a:tailEnd type="triangle"/>
+          </a:ln>
+        </p:spPr>
+        <p:style>
+          <a:lnRef idx="1">
+            <a:schemeClr val="accent1"/>
+          </a:lnRef>
+          <a:fillRef idx="0">
+            <a:schemeClr val="accent1"/>
+          </a:fillRef>
+          <a:effectRef idx="0">
+            <a:schemeClr val="accent1"/>
+          </a:effectRef>
+          <a:fontRef idx="minor">
+            <a:schemeClr val="tx1"/>
+          </a:fontRef>
+        </p:style>
+      </p:cxnSp>
+      <p:grpSp>
+        <p:nvGrpSpPr>
+          <p:cNvPr id="61" name="Csoportba foglalás 60">
+            <a:extLst>
+              <a:ext uri="{FF2B5EF4-FFF2-40B4-BE49-F238E27FC236}">
+                <a16:creationId xmlns:a16="http://schemas.microsoft.com/office/drawing/2014/main" id="{C37E2688-43B3-139B-236E-9BF93C2AD55B}"/>
+              </a:ext>
+            </a:extLst>
+          </p:cNvPr>
+          <p:cNvGrpSpPr/>
+          <p:nvPr/>
+        </p:nvGrpSpPr>
+        <p:grpSpPr>
+          <a:xfrm>
+            <a:off x="5379012" y="4669277"/>
+            <a:ext cx="6703448" cy="1926076"/>
+            <a:chOff x="5379012" y="4669277"/>
+            <a:chExt cx="6703448" cy="1926076"/>
+          </a:xfrm>
+        </p:grpSpPr>
+        <p:grpSp>
+          <p:nvGrpSpPr>
+            <p:cNvPr id="51" name="Csoportba foglalás 50">
+              <a:extLst>
+                <a:ext uri="{FF2B5EF4-FFF2-40B4-BE49-F238E27FC236}">
+                  <a16:creationId xmlns:a16="http://schemas.microsoft.com/office/drawing/2014/main" id="{31F365C8-B8AD-C410-B738-79EEF3C79B23}"/>
+                </a:ext>
+              </a:extLst>
+            </p:cNvPr>
+            <p:cNvGrpSpPr/>
+            <p:nvPr/>
+          </p:nvGrpSpPr>
+          <p:grpSpPr>
+            <a:xfrm>
+              <a:off x="5379012" y="4669277"/>
+              <a:ext cx="6703448" cy="1926076"/>
+              <a:chOff x="1613701" y="4669277"/>
+              <a:chExt cx="6703448" cy="1926076"/>
+            </a:xfrm>
+          </p:grpSpPr>
+          <p:sp>
+            <p:nvSpPr>
+              <p:cNvPr id="50" name="Téglalap 49">
+                <a:extLst>
+                  <a:ext uri="{FF2B5EF4-FFF2-40B4-BE49-F238E27FC236}">
+                    <a16:creationId xmlns:a16="http://schemas.microsoft.com/office/drawing/2014/main" id="{2A39A960-235E-1EEC-C6D4-358BAEE1363B}"/>
+                  </a:ext>
+                </a:extLst>
+              </p:cNvPr>
+              <p:cNvSpPr/>
+              <p:nvPr/>
+            </p:nvSpPr>
+            <p:spPr>
+              <a:xfrm>
+                <a:off x="1613701" y="4669277"/>
+                <a:ext cx="6703448" cy="1926076"/>
+              </a:xfrm>
+              <a:prstGeom prst="rect">
+                <a:avLst/>
+              </a:prstGeom>
+              <a:solidFill>
+                <a:srgbClr val="F3F1F2"/>
+              </a:solidFill>
+              <a:ln>
+                <a:noFill/>
+              </a:ln>
+            </p:spPr>
+            <p:style>
+              <a:lnRef idx="2">
+                <a:schemeClr val="accent1">
+                  <a:shade val="50000"/>
+                </a:schemeClr>
+              </a:lnRef>
+              <a:fillRef idx="1">
+                <a:schemeClr val="accent1"/>
+              </a:fillRef>
+              <a:effectRef idx="0">
+                <a:schemeClr val="accent1"/>
+              </a:effectRef>
+              <a:fontRef idx="minor">
+                <a:schemeClr val="lt1"/>
+              </a:fontRef>
+            </p:style>
+            <p:txBody>
+              <a:bodyPr rtlCol="0" anchor="ctr"/>
+              <a:lstStyle/>
+              <a:p>
+                <a:pPr algn="ctr"/>
+                <a:endParaRPr lang="hu-HU" dirty="0"/>
+              </a:p>
+            </p:txBody>
+          </p:sp>
+          <p:grpSp>
+            <p:nvGrpSpPr>
+              <p:cNvPr id="29" name="Csoportba foglalás 28">
+                <a:extLst>
+                  <a:ext uri="{FF2B5EF4-FFF2-40B4-BE49-F238E27FC236}">
+                    <a16:creationId xmlns:a16="http://schemas.microsoft.com/office/drawing/2014/main" id="{9B405243-BFF5-0BAB-D9EE-604691EDF85D}"/>
+                  </a:ext>
+                </a:extLst>
+              </p:cNvPr>
+              <p:cNvGrpSpPr/>
+              <p:nvPr/>
+            </p:nvGrpSpPr>
+            <p:grpSpPr>
+              <a:xfrm>
+                <a:off x="1865514" y="5145934"/>
+                <a:ext cx="6184124" cy="1196502"/>
+                <a:chOff x="6096000" y="4552545"/>
+                <a:chExt cx="6184124" cy="1196502"/>
+              </a:xfrm>
+            </p:grpSpPr>
+            <p:sp>
+              <p:nvSpPr>
+                <p:cNvPr id="27" name="Téglalap: lekerekített 26">
+                  <a:extLst>
+                    <a:ext uri="{FF2B5EF4-FFF2-40B4-BE49-F238E27FC236}">
+                      <a16:creationId xmlns:a16="http://schemas.microsoft.com/office/drawing/2014/main" id="{2D8CC9D8-B300-AC56-BD4F-FB1140133AAE}"/>
+                    </a:ext>
+                  </a:extLst>
+                </p:cNvPr>
+                <p:cNvSpPr/>
+                <p:nvPr/>
+              </p:nvSpPr>
+              <p:spPr>
+                <a:xfrm>
+                  <a:off x="6096000" y="4562272"/>
+                  <a:ext cx="4114800" cy="1186775"/>
+                </a:xfrm>
+                <a:prstGeom prst="roundRect">
+                  <a:avLst/>
+                </a:prstGeom>
+                <a:solidFill>
+                  <a:srgbClr val="CEDFCC"/>
+                </a:solidFill>
+                <a:ln>
+                  <a:noFill/>
+                </a:ln>
+              </p:spPr>
+              <p:style>
+                <a:lnRef idx="2">
+                  <a:schemeClr val="accent1">
+                    <a:shade val="50000"/>
+                  </a:schemeClr>
+                </a:lnRef>
+                <a:fillRef idx="1">
+                  <a:schemeClr val="accent1"/>
+                </a:fillRef>
+                <a:effectRef idx="0">
+                  <a:schemeClr val="accent1"/>
+                </a:effectRef>
+                <a:fontRef idx="minor">
+                  <a:schemeClr val="lt1"/>
+                </a:fontRef>
+              </p:style>
+              <p:txBody>
+                <a:bodyPr rtlCol="0" anchor="ctr"/>
+                <a:lstStyle/>
+                <a:p>
+                  <a:pPr algn="ctr"/>
+                  <a:endParaRPr lang="hu-HU" dirty="0"/>
+                </a:p>
+              </p:txBody>
+            </p:sp>
+            <p:grpSp>
+              <p:nvGrpSpPr>
+                <p:cNvPr id="21" name="Csoportba foglalás 20">
+                  <a:extLst>
+                    <a:ext uri="{FF2B5EF4-FFF2-40B4-BE49-F238E27FC236}">
+                      <a16:creationId xmlns:a16="http://schemas.microsoft.com/office/drawing/2014/main" id="{8BB2CED9-D1B7-B0EE-2B37-104FD0467DF6}"/>
+                    </a:ext>
+                  </a:extLst>
+                </p:cNvPr>
+                <p:cNvGrpSpPr/>
+                <p:nvPr/>
+              </p:nvGrpSpPr>
+              <p:grpSpPr>
+                <a:xfrm>
+                  <a:off x="8165323" y="4552545"/>
+                  <a:ext cx="4114801" cy="1191638"/>
+                  <a:chOff x="5933872" y="2830748"/>
+                  <a:chExt cx="4114801" cy="1191638"/>
+                </a:xfrm>
+              </p:grpSpPr>
+              <p:grpSp>
+                <p:nvGrpSpPr>
+                  <p:cNvPr id="22" name="Csoportba foglalás 21">
+                    <a:extLst>
+                      <a:ext uri="{FF2B5EF4-FFF2-40B4-BE49-F238E27FC236}">
+                        <a16:creationId xmlns:a16="http://schemas.microsoft.com/office/drawing/2014/main" id="{61AAF780-2D71-EB0A-1BA0-2EBD914AB631}"/>
+                      </a:ext>
+                    </a:extLst>
+                  </p:cNvPr>
+                  <p:cNvGrpSpPr/>
+                  <p:nvPr/>
+                </p:nvGrpSpPr>
+                <p:grpSpPr>
+                  <a:xfrm>
+                    <a:off x="5933872" y="2830748"/>
+                    <a:ext cx="4114801" cy="1191638"/>
+                    <a:chOff x="5933872" y="2830748"/>
+                    <a:chExt cx="4114801" cy="1191638"/>
+                  </a:xfrm>
+                </p:grpSpPr>
+                <p:sp>
+                  <p:nvSpPr>
+                    <p:cNvPr id="25" name="Téglalap: lekerekített 24">
+                      <a:extLst>
+                        <a:ext uri="{FF2B5EF4-FFF2-40B4-BE49-F238E27FC236}">
+                          <a16:creationId xmlns:a16="http://schemas.microsoft.com/office/drawing/2014/main" id="{EB8D4F1B-4C9F-2C43-09CD-ACD574E9E517}"/>
+                        </a:ext>
+                      </a:extLst>
+                    </p:cNvPr>
+                    <p:cNvSpPr/>
+                    <p:nvPr/>
+                  </p:nvSpPr>
+                  <p:spPr>
+                    <a:xfrm>
+                      <a:off x="5933872" y="2835612"/>
+                      <a:ext cx="4114800" cy="1186774"/>
+                    </a:xfrm>
+                    <a:prstGeom prst="roundRect">
+                      <a:avLst/>
+                    </a:prstGeom>
+                    <a:solidFill>
+                      <a:srgbClr val="91C4B1"/>
+                    </a:solidFill>
+                    <a:ln>
+                      <a:noFill/>
+                    </a:ln>
+                  </p:spPr>
+                  <p:style>
+                    <a:lnRef idx="2">
+                      <a:schemeClr val="accent1">
+                        <a:shade val="50000"/>
+                      </a:schemeClr>
+                    </a:lnRef>
+                    <a:fillRef idx="1">
+                      <a:schemeClr val="accent1"/>
+                    </a:fillRef>
+                    <a:effectRef idx="0">
+                      <a:schemeClr val="accent1"/>
+                    </a:effectRef>
+                    <a:fontRef idx="minor">
+                      <a:schemeClr val="lt1"/>
+                    </a:fontRef>
+                  </p:style>
+                  <p:txBody>
+                    <a:bodyPr rtlCol="0" anchor="ctr"/>
+                    <a:lstStyle/>
+                    <a:p>
+                      <a:pPr algn="ctr"/>
+                      <a:endParaRPr lang="hu-HU" dirty="0"/>
+                    </a:p>
+                  </p:txBody>
+                </p:sp>
+                <p:sp>
+                  <p:nvSpPr>
+                    <p:cNvPr id="26" name="Téglalap: lekerekített 25">
+                      <a:extLst>
+                        <a:ext uri="{FF2B5EF4-FFF2-40B4-BE49-F238E27FC236}">
+                          <a16:creationId xmlns:a16="http://schemas.microsoft.com/office/drawing/2014/main" id="{1B3A494D-8266-BD49-9001-79FAF2DCCEC7}"/>
+                        </a:ext>
+                      </a:extLst>
+                    </p:cNvPr>
+                    <p:cNvSpPr/>
+                    <p:nvPr/>
+                  </p:nvSpPr>
+                  <p:spPr>
+                    <a:xfrm>
+                      <a:off x="7782129" y="2830748"/>
+                      <a:ext cx="2266544" cy="1186775"/>
+                    </a:xfrm>
+                    <a:prstGeom prst="roundRect">
+                      <a:avLst/>
+                    </a:prstGeom>
+                    <a:solidFill>
+                      <a:srgbClr val="578791"/>
+                    </a:solidFill>
+                    <a:ln>
+                      <a:noFill/>
+                    </a:ln>
+                  </p:spPr>
+                  <p:style>
+                    <a:lnRef idx="2">
+                      <a:schemeClr val="accent1">
+                        <a:shade val="50000"/>
+                      </a:schemeClr>
+                    </a:lnRef>
+                    <a:fillRef idx="1">
+                      <a:schemeClr val="accent1"/>
+                    </a:fillRef>
+                    <a:effectRef idx="0">
+                      <a:schemeClr val="accent1"/>
+                    </a:effectRef>
+                    <a:fontRef idx="minor">
+                      <a:schemeClr val="lt1"/>
+                    </a:fontRef>
+                  </p:style>
+                  <p:txBody>
+                    <a:bodyPr rtlCol="0" anchor="ctr"/>
+                    <a:lstStyle/>
+                    <a:p>
+                      <a:pPr algn="ctr"/>
+                      <a:endParaRPr lang="hu-HU" dirty="0"/>
+                    </a:p>
+                  </p:txBody>
+                </p:sp>
+              </p:grpSp>
+              <p:sp>
+                <p:nvSpPr>
+                  <p:cNvPr id="23" name="Szövegdoboz 22">
+                    <a:extLst>
+                      <a:ext uri="{FF2B5EF4-FFF2-40B4-BE49-F238E27FC236}">
+                        <a16:creationId xmlns:a16="http://schemas.microsoft.com/office/drawing/2014/main" id="{0A52E935-4F47-7759-315C-695215D873D1}"/>
+                      </a:ext>
+                    </a:extLst>
+                  </p:cNvPr>
+                  <p:cNvSpPr txBox="1"/>
+                  <p:nvPr/>
+                </p:nvSpPr>
+                <p:spPr>
+                  <a:xfrm>
+                    <a:off x="6294353" y="3239470"/>
+                    <a:ext cx="1127296" cy="369332"/>
+                  </a:xfrm>
+                  <a:prstGeom prst="rect">
+                    <a:avLst/>
+                  </a:prstGeom>
+                  <a:noFill/>
+                </p:spPr>
+                <p:txBody>
+                  <a:bodyPr wrap="none" rtlCol="0">
+                    <a:spAutoFit/>
+                  </a:bodyPr>
+                  <a:lstStyle/>
+                  <a:p>
+                    <a:r>
+                      <a:rPr lang="hu-HU" dirty="0"/>
+                      <a:t>Tematikus</a:t>
+                    </a:r>
+                  </a:p>
+                </p:txBody>
+              </p:sp>
+              <p:sp>
+                <p:nvSpPr>
+                  <p:cNvPr id="24" name="Szövegdoboz 23">
+                    <a:extLst>
+                      <a:ext uri="{FF2B5EF4-FFF2-40B4-BE49-F238E27FC236}">
+                        <a16:creationId xmlns:a16="http://schemas.microsoft.com/office/drawing/2014/main" id="{6A04C2C1-A565-6556-9C18-8B5B239280D8}"/>
+                      </a:ext>
+                    </a:extLst>
+                  </p:cNvPr>
+                  <p:cNvSpPr txBox="1"/>
+                  <p:nvPr/>
+                </p:nvSpPr>
+                <p:spPr>
+                  <a:xfrm>
+                    <a:off x="8490395" y="3249357"/>
+                    <a:ext cx="769763" cy="369332"/>
+                  </a:xfrm>
+                  <a:prstGeom prst="rect">
+                    <a:avLst/>
+                  </a:prstGeom>
+                  <a:noFill/>
+                </p:spPr>
+                <p:txBody>
+                  <a:bodyPr wrap="none" rtlCol="0">
+                    <a:spAutoFit/>
+                  </a:bodyPr>
+                  <a:lstStyle/>
+                  <a:p>
+                    <a:r>
+                      <a:rPr lang="hu-HU" dirty="0"/>
+                      <a:t>Villám</a:t>
+                    </a:r>
+                  </a:p>
+                </p:txBody>
+              </p:sp>
+            </p:grpSp>
+            <p:sp>
+              <p:nvSpPr>
+                <p:cNvPr id="28" name="Szövegdoboz 27">
+                  <a:extLst>
+                    <a:ext uri="{FF2B5EF4-FFF2-40B4-BE49-F238E27FC236}">
+                      <a16:creationId xmlns:a16="http://schemas.microsoft.com/office/drawing/2014/main" id="{4D3AE833-8D6A-D651-89C4-5DA01FC30981}"/>
+                    </a:ext>
+                  </a:extLst>
+                </p:cNvPr>
+                <p:cNvSpPr txBox="1"/>
+                <p:nvPr/>
+              </p:nvSpPr>
+              <p:spPr>
+                <a:xfrm>
+                  <a:off x="6391377" y="4970993"/>
+                  <a:ext cx="1386726" cy="369332"/>
+                </a:xfrm>
+                <a:prstGeom prst="rect">
+                  <a:avLst/>
+                </a:prstGeom>
+                <a:noFill/>
+              </p:spPr>
+              <p:txBody>
+                <a:bodyPr wrap="none" rtlCol="0">
+                  <a:spAutoFit/>
+                </a:bodyPr>
+                <a:lstStyle/>
+                <a:p>
+                  <a:r>
+                    <a:rPr lang="hu-HU" dirty="0"/>
+                    <a:t>Automatizált</a:t>
+                  </a:r>
+                </a:p>
+              </p:txBody>
+            </p:sp>
+          </p:grpSp>
+        </p:grpSp>
+        <p:sp>
+          <p:nvSpPr>
+            <p:cNvPr id="53" name="Szövegdoboz 52">
+              <a:extLst>
+                <a:ext uri="{FF2B5EF4-FFF2-40B4-BE49-F238E27FC236}">
+                  <a16:creationId xmlns:a16="http://schemas.microsoft.com/office/drawing/2014/main" id="{5DA1F924-BE6A-1D90-096A-5B226B62C678}"/>
+                </a:ext>
+              </a:extLst>
+            </p:cNvPr>
+            <p:cNvSpPr txBox="1"/>
+            <p:nvPr/>
+          </p:nvSpPr>
+          <p:spPr>
+            <a:xfrm>
+              <a:off x="8293802" y="4718078"/>
+              <a:ext cx="660950" cy="369332"/>
+            </a:xfrm>
+            <a:prstGeom prst="rect">
+              <a:avLst/>
+            </a:prstGeom>
+            <a:noFill/>
+          </p:spPr>
+          <p:txBody>
+            <a:bodyPr wrap="none" rtlCol="0">
+              <a:spAutoFit/>
+            </a:bodyPr>
+            <a:lstStyle/>
+            <a:p>
+              <a:r>
+                <a:rPr lang="hu-HU" dirty="0"/>
+                <a:t>Játék</a:t>
+              </a:r>
+            </a:p>
+          </p:txBody>
+        </p:sp>
+      </p:grpSp>
+      <p:grpSp>
+        <p:nvGrpSpPr>
+          <p:cNvPr id="76" name="Csoportba foglalás 75">
+            <a:extLst>
+              <a:ext uri="{FF2B5EF4-FFF2-40B4-BE49-F238E27FC236}">
+                <a16:creationId xmlns:a16="http://schemas.microsoft.com/office/drawing/2014/main" id="{F181C8E1-F7A3-BF73-70CE-A33E15C3B862}"/>
+              </a:ext>
+            </a:extLst>
+          </p:cNvPr>
+          <p:cNvGrpSpPr/>
+          <p:nvPr/>
+        </p:nvGrpSpPr>
+        <p:grpSpPr>
+          <a:xfrm>
+            <a:off x="114941" y="4743011"/>
+            <a:ext cx="4229409" cy="1778608"/>
+            <a:chOff x="3048933" y="2637752"/>
+            <a:chExt cx="4229409" cy="1778608"/>
+          </a:xfrm>
+        </p:grpSpPr>
+        <p:grpSp>
+          <p:nvGrpSpPr>
+            <p:cNvPr id="71" name="Csoportba foglalás 70">
+              <a:extLst>
+                <a:ext uri="{FF2B5EF4-FFF2-40B4-BE49-F238E27FC236}">
+                  <a16:creationId xmlns:a16="http://schemas.microsoft.com/office/drawing/2014/main" id="{B3CF99FA-A397-DD0A-A896-8F8873CD0DF9}"/>
+                </a:ext>
+              </a:extLst>
+            </p:cNvPr>
+            <p:cNvGrpSpPr/>
+            <p:nvPr/>
+          </p:nvGrpSpPr>
+          <p:grpSpPr>
+            <a:xfrm>
+              <a:off x="3048933" y="2637752"/>
+              <a:ext cx="4229409" cy="1778608"/>
+              <a:chOff x="3048933" y="2637752"/>
+              <a:chExt cx="4229409" cy="1744561"/>
+            </a:xfrm>
+          </p:grpSpPr>
+          <p:sp>
+            <p:nvSpPr>
+              <p:cNvPr id="70" name="Téglalap 69">
+                <a:extLst>
+                  <a:ext uri="{FF2B5EF4-FFF2-40B4-BE49-F238E27FC236}">
+                    <a16:creationId xmlns:a16="http://schemas.microsoft.com/office/drawing/2014/main" id="{E4B418C1-2A07-7A2A-6533-D32EA496E5B6}"/>
+                  </a:ext>
+                </a:extLst>
+              </p:cNvPr>
+              <p:cNvSpPr/>
+              <p:nvPr/>
+            </p:nvSpPr>
+            <p:spPr>
+              <a:xfrm>
+                <a:off x="3048933" y="2637752"/>
+                <a:ext cx="4229409" cy="1744561"/>
+              </a:xfrm>
+              <a:prstGeom prst="rect">
+                <a:avLst/>
+              </a:prstGeom>
+              <a:solidFill>
+                <a:srgbClr val="F3F1F2"/>
+              </a:solidFill>
+              <a:ln>
+                <a:noFill/>
+              </a:ln>
+            </p:spPr>
+            <p:style>
+              <a:lnRef idx="2">
+                <a:schemeClr val="accent1">
+                  <a:shade val="50000"/>
+                </a:schemeClr>
+              </a:lnRef>
+              <a:fillRef idx="1">
+                <a:schemeClr val="accent1"/>
+              </a:fillRef>
+              <a:effectRef idx="0">
+                <a:schemeClr val="accent1"/>
+              </a:effectRef>
+              <a:fontRef idx="minor">
+                <a:schemeClr val="lt1"/>
+              </a:fontRef>
+            </p:style>
+            <p:txBody>
+              <a:bodyPr rtlCol="0" anchor="ctr"/>
+              <a:lstStyle/>
+              <a:p>
+                <a:pPr algn="ctr"/>
+                <a:endParaRPr lang="hu-HU" dirty="0"/>
+              </a:p>
+            </p:txBody>
+          </p:sp>
+          <p:grpSp>
+            <p:nvGrpSpPr>
+              <p:cNvPr id="20" name="Csoportba foglalás 19">
+                <a:extLst>
+                  <a:ext uri="{FF2B5EF4-FFF2-40B4-BE49-F238E27FC236}">
+                    <a16:creationId xmlns:a16="http://schemas.microsoft.com/office/drawing/2014/main" id="{38397E05-7759-0035-55E1-5E78272770FC}"/>
+                  </a:ext>
+                </a:extLst>
+              </p:cNvPr>
+              <p:cNvGrpSpPr/>
+              <p:nvPr/>
+            </p:nvGrpSpPr>
+            <p:grpSpPr>
+              <a:xfrm>
+                <a:off x="3172293" y="3149882"/>
+                <a:ext cx="4003481" cy="1025955"/>
+                <a:chOff x="5933872" y="2830749"/>
+                <a:chExt cx="4114801" cy="1191638"/>
+              </a:xfrm>
+            </p:grpSpPr>
+            <p:grpSp>
+              <p:nvGrpSpPr>
+                <p:cNvPr id="14" name="Csoportba foglalás 13">
+                  <a:extLst>
+                    <a:ext uri="{FF2B5EF4-FFF2-40B4-BE49-F238E27FC236}">
+                      <a16:creationId xmlns:a16="http://schemas.microsoft.com/office/drawing/2014/main" id="{64DCCDEE-8630-4BAE-3283-480C0B43E438}"/>
+                    </a:ext>
+                  </a:extLst>
+                </p:cNvPr>
+                <p:cNvGrpSpPr/>
+                <p:nvPr/>
+              </p:nvGrpSpPr>
+              <p:grpSpPr>
+                <a:xfrm>
+                  <a:off x="5933872" y="2830749"/>
+                  <a:ext cx="4114801" cy="1191638"/>
+                  <a:chOff x="5933872" y="2830749"/>
+                  <a:chExt cx="4114801" cy="1191638"/>
+                </a:xfrm>
+              </p:grpSpPr>
+              <p:sp>
+                <p:nvSpPr>
+                  <p:cNvPr id="7" name="Téglalap: lekerekített 6">
+                    <a:extLst>
+                      <a:ext uri="{FF2B5EF4-FFF2-40B4-BE49-F238E27FC236}">
+                        <a16:creationId xmlns:a16="http://schemas.microsoft.com/office/drawing/2014/main" id="{418AED5C-7DC4-8199-B6FB-A5E98D643E30}"/>
+                      </a:ext>
+                    </a:extLst>
+                  </p:cNvPr>
+                  <p:cNvSpPr/>
+                  <p:nvPr/>
+                </p:nvSpPr>
+                <p:spPr>
+                  <a:xfrm>
+                    <a:off x="5933872" y="2835612"/>
+                    <a:ext cx="4114800" cy="1186775"/>
+                  </a:xfrm>
+                  <a:prstGeom prst="roundRect">
+                    <a:avLst/>
+                  </a:prstGeom>
+                  <a:solidFill>
+                    <a:srgbClr val="CEDFCC"/>
+                  </a:solidFill>
+                  <a:ln>
+                    <a:noFill/>
+                  </a:ln>
+                </p:spPr>
+                <p:style>
+                  <a:lnRef idx="2">
+                    <a:schemeClr val="accent1">
+                      <a:shade val="50000"/>
+                    </a:schemeClr>
+                  </a:lnRef>
+                  <a:fillRef idx="1">
+                    <a:schemeClr val="accent1"/>
+                  </a:fillRef>
+                  <a:effectRef idx="0">
+                    <a:schemeClr val="accent1"/>
+                  </a:effectRef>
+                  <a:fontRef idx="minor">
+                    <a:schemeClr val="lt1"/>
+                  </a:fontRef>
+                </p:style>
+                <p:txBody>
+                  <a:bodyPr rtlCol="0" anchor="ctr"/>
+                  <a:lstStyle/>
+                  <a:p>
+                    <a:pPr algn="ctr"/>
+                    <a:endParaRPr lang="hu-HU" dirty="0"/>
+                  </a:p>
+                </p:txBody>
+              </p:sp>
+              <p:sp>
+                <p:nvSpPr>
+                  <p:cNvPr id="11" name="Téglalap: lekerekített 10">
+                    <a:extLst>
+                      <a:ext uri="{FF2B5EF4-FFF2-40B4-BE49-F238E27FC236}">
+                        <a16:creationId xmlns:a16="http://schemas.microsoft.com/office/drawing/2014/main" id="{E44EB703-876A-7728-1FC4-D310FA921DF6}"/>
+                      </a:ext>
+                    </a:extLst>
+                  </p:cNvPr>
+                  <p:cNvSpPr/>
+                  <p:nvPr/>
+                </p:nvSpPr>
+                <p:spPr>
+                  <a:xfrm>
+                    <a:off x="7782129" y="2830749"/>
+                    <a:ext cx="2266544" cy="1186775"/>
+                  </a:xfrm>
+                  <a:prstGeom prst="roundRect">
+                    <a:avLst/>
+                  </a:prstGeom>
+                  <a:solidFill>
+                    <a:srgbClr val="91C4B1"/>
+                  </a:solidFill>
+                  <a:ln>
+                    <a:noFill/>
+                  </a:ln>
+                </p:spPr>
+                <p:style>
+                  <a:lnRef idx="2">
+                    <a:schemeClr val="accent1">
+                      <a:shade val="50000"/>
+                    </a:schemeClr>
+                  </a:lnRef>
+                  <a:fillRef idx="1">
+                    <a:schemeClr val="accent1"/>
+                  </a:fillRef>
+                  <a:effectRef idx="0">
+                    <a:schemeClr val="accent1"/>
+                  </a:effectRef>
+                  <a:fontRef idx="minor">
+                    <a:schemeClr val="lt1"/>
+                  </a:fontRef>
+                </p:style>
+                <p:txBody>
+                  <a:bodyPr rtlCol="0" anchor="ctr"/>
+                  <a:lstStyle/>
+                  <a:p>
+                    <a:pPr algn="ctr"/>
+                    <a:endParaRPr lang="hu-HU" dirty="0"/>
+                  </a:p>
+                </p:txBody>
+              </p:sp>
+            </p:grpSp>
+            <p:sp>
+              <p:nvSpPr>
+                <p:cNvPr id="18" name="Szövegdoboz 17">
+                  <a:extLst>
+                    <a:ext uri="{FF2B5EF4-FFF2-40B4-BE49-F238E27FC236}">
+                      <a16:creationId xmlns:a16="http://schemas.microsoft.com/office/drawing/2014/main" id="{147B00D4-B6FC-6135-3081-60F94C83EB08}"/>
+                    </a:ext>
+                  </a:extLst>
+                </p:cNvPr>
+                <p:cNvSpPr txBox="1"/>
+                <p:nvPr/>
+              </p:nvSpPr>
+              <p:spPr>
+                <a:xfrm>
+                  <a:off x="6028798" y="3239470"/>
+                  <a:ext cx="1658403" cy="369332"/>
+                </a:xfrm>
+                <a:prstGeom prst="rect">
+                  <a:avLst/>
+                </a:prstGeom>
+                <a:noFill/>
+              </p:spPr>
+              <p:txBody>
+                <a:bodyPr wrap="none" rtlCol="0">
+                  <a:spAutoFit/>
+                </a:bodyPr>
+                <a:lstStyle/>
+                <a:p>
+                  <a:r>
+                    <a:rPr lang="hu-HU" dirty="0"/>
+                    <a:t>Játék beállításai</a:t>
+                  </a:r>
+                </a:p>
+              </p:txBody>
+            </p:sp>
+            <p:sp>
+              <p:nvSpPr>
+                <p:cNvPr id="19" name="Szövegdoboz 18">
+                  <a:extLst>
+                    <a:ext uri="{FF2B5EF4-FFF2-40B4-BE49-F238E27FC236}">
+                      <a16:creationId xmlns:a16="http://schemas.microsoft.com/office/drawing/2014/main" id="{B7298014-4C07-1E03-3DB5-EB7B65DAE2F2}"/>
+                    </a:ext>
+                  </a:extLst>
+                </p:cNvPr>
+                <p:cNvSpPr txBox="1"/>
+                <p:nvPr/>
+              </p:nvSpPr>
+              <p:spPr>
+                <a:xfrm>
+                  <a:off x="8165323" y="3239470"/>
+                  <a:ext cx="1500154" cy="369332"/>
+                </a:xfrm>
+                <a:prstGeom prst="rect">
+                  <a:avLst/>
+                </a:prstGeom>
+                <a:noFill/>
+              </p:spPr>
+              <p:txBody>
+                <a:bodyPr wrap="none" rtlCol="0">
+                  <a:spAutoFit/>
+                </a:bodyPr>
+                <a:lstStyle/>
+                <a:p>
+                  <a:r>
+                    <a:rPr lang="hu-HU" dirty="0"/>
+                    <a:t>Kör beállításai</a:t>
+                  </a:r>
+                </a:p>
+              </p:txBody>
+            </p:sp>
+          </p:grpSp>
+        </p:grpSp>
+        <p:sp>
+          <p:nvSpPr>
+            <p:cNvPr id="72" name="Szövegdoboz 71">
+              <a:extLst>
+                <a:ext uri="{FF2B5EF4-FFF2-40B4-BE49-F238E27FC236}">
+                  <a16:creationId xmlns:a16="http://schemas.microsoft.com/office/drawing/2014/main" id="{B44B776A-D27F-35DB-9243-F16CACE8BCAC}"/>
+                </a:ext>
+              </a:extLst>
+            </p:cNvPr>
+            <p:cNvSpPr txBox="1"/>
+            <p:nvPr/>
+          </p:nvSpPr>
+          <p:spPr>
+            <a:xfrm>
+              <a:off x="4519134" y="2709312"/>
+              <a:ext cx="1194943" cy="369332"/>
+            </a:xfrm>
+            <a:prstGeom prst="rect">
+              <a:avLst/>
+            </a:prstGeom>
+            <a:noFill/>
+          </p:spPr>
+          <p:txBody>
+            <a:bodyPr wrap="none" rtlCol="0">
+              <a:spAutoFit/>
+            </a:bodyPr>
+            <a:lstStyle/>
+            <a:p>
+              <a:r>
+                <a:rPr lang="hu-HU" dirty="0"/>
+                <a:t>Beállítások</a:t>
+              </a:r>
+            </a:p>
+          </p:txBody>
+        </p:sp>
+      </p:grpSp>
+      <p:cxnSp>
+        <p:nvCxnSpPr>
+          <p:cNvPr id="77" name="Egyenes összekötő nyíllal 76">
+            <a:extLst>
+              <a:ext uri="{FF2B5EF4-FFF2-40B4-BE49-F238E27FC236}">
+                <a16:creationId xmlns:a16="http://schemas.microsoft.com/office/drawing/2014/main" id="{8295C632-53AD-17AA-11F2-6A2F9527E9B3}"/>
+              </a:ext>
+            </a:extLst>
+          </p:cNvPr>
+          <p:cNvCxnSpPr>
+            <a:cxnSpLocks/>
+            <a:stCxn id="70" idx="3"/>
+            <a:endCxn id="50" idx="1"/>
+          </p:cNvCxnSpPr>
+          <p:nvPr/>
+        </p:nvCxnSpPr>
+        <p:spPr>
+          <a:xfrm>
+            <a:off x="4344350" y="5632315"/>
+            <a:ext cx="1034662" cy="0"/>
+          </a:xfrm>
+          <a:prstGeom prst="straightConnector1">
+            <a:avLst/>
+          </a:prstGeom>
+          <a:ln w="57150">
+            <a:solidFill>
+              <a:srgbClr val="578791"/>
+            </a:solidFill>
+            <a:tailEnd type="triangle"/>
+          </a:ln>
+        </p:spPr>
+        <p:style>
+          <a:lnRef idx="1">
+            <a:schemeClr val="accent1"/>
+          </a:lnRef>
+          <a:fillRef idx="0">
+            <a:schemeClr val="accent1"/>
+          </a:fillRef>
+          <a:effectRef idx="0">
+            <a:schemeClr val="accent1"/>
+          </a:effectRef>
+          <a:fontRef idx="minor">
+            <a:schemeClr val="tx1"/>
+          </a:fontRef>
+        </p:style>
+      </p:cxnSp>
+      <p:cxnSp>
+        <p:nvCxnSpPr>
+          <p:cNvPr id="81" name="Összekötő: szögletes 80">
+            <a:extLst>
+              <a:ext uri="{FF2B5EF4-FFF2-40B4-BE49-F238E27FC236}">
+                <a16:creationId xmlns:a16="http://schemas.microsoft.com/office/drawing/2014/main" id="{7A178730-7003-308D-0AFD-65355C15B3D7}"/>
+              </a:ext>
+            </a:extLst>
+          </p:cNvPr>
+          <p:cNvCxnSpPr>
+            <a:cxnSpLocks/>
+            <a:endCxn id="3" idx="2"/>
+          </p:cNvCxnSpPr>
+          <p:nvPr/>
+        </p:nvCxnSpPr>
+        <p:spPr>
+          <a:xfrm rot="5400000" flipH="1" flipV="1">
+            <a:off x="2940488" y="1617639"/>
+            <a:ext cx="3981157" cy="2341216"/>
+          </a:xfrm>
+          <a:prstGeom prst="bentConnector3">
+            <a:avLst>
+              <a:gd name="adj1" fmla="val 50000"/>
+            </a:avLst>
+          </a:prstGeom>
+          <a:ln w="57150">
+            <a:solidFill>
+              <a:srgbClr val="578791"/>
+            </a:solidFill>
+            <a:headEnd type="triangle"/>
+            <a:tailEnd type="triangle"/>
+          </a:ln>
+        </p:spPr>
+        <p:style>
+          <a:lnRef idx="1">
+            <a:schemeClr val="accent1"/>
+          </a:lnRef>
+          <a:fillRef idx="0">
+            <a:schemeClr val="accent1"/>
+          </a:fillRef>
+          <a:effectRef idx="0">
+            <a:schemeClr val="accent1"/>
+          </a:effectRef>
+          <a:fontRef idx="minor">
+            <a:schemeClr val="tx1"/>
+          </a:fontRef>
+        </p:style>
+      </p:cxnSp>
+      <p:cxnSp>
+        <p:nvCxnSpPr>
+          <p:cNvPr id="87" name="Egyenes összekötő nyíllal 86">
+            <a:extLst>
+              <a:ext uri="{FF2B5EF4-FFF2-40B4-BE49-F238E27FC236}">
+                <a16:creationId xmlns:a16="http://schemas.microsoft.com/office/drawing/2014/main" id="{119E2018-F7BB-3FF4-4CA9-E0F6DFE8B9D4}"/>
+              </a:ext>
+            </a:extLst>
+          </p:cNvPr>
+          <p:cNvCxnSpPr>
+            <a:cxnSpLocks/>
+          </p:cNvCxnSpPr>
+          <p:nvPr/>
+        </p:nvCxnSpPr>
+        <p:spPr>
+          <a:xfrm flipH="1">
+            <a:off x="7523721" y="790375"/>
+            <a:ext cx="10209" cy="3874038"/>
+          </a:xfrm>
+          <a:prstGeom prst="straightConnector1">
+            <a:avLst/>
+          </a:prstGeom>
+          <a:ln w="57150">
+            <a:solidFill>
+              <a:srgbClr val="578791"/>
+            </a:solidFill>
+            <a:tailEnd type="triangle"/>
+          </a:ln>
+        </p:spPr>
+        <p:style>
+          <a:lnRef idx="1">
+            <a:schemeClr val="accent1"/>
+          </a:lnRef>
+          <a:fillRef idx="0">
+            <a:schemeClr val="accent1"/>
+          </a:fillRef>
+          <a:effectRef idx="0">
+            <a:schemeClr val="accent1"/>
+          </a:effectRef>
+          <a:fontRef idx="minor">
+            <a:schemeClr val="tx1"/>
+          </a:fontRef>
+        </p:style>
+      </p:cxnSp>
+      <p:cxnSp>
+        <p:nvCxnSpPr>
+          <p:cNvPr id="91" name="Összekötő: szögletes 90">
+            <a:extLst>
+              <a:ext uri="{FF2B5EF4-FFF2-40B4-BE49-F238E27FC236}">
+                <a16:creationId xmlns:a16="http://schemas.microsoft.com/office/drawing/2014/main" id="{60BB5BDF-0797-0658-B19E-522A7C8E1CA1}"/>
+              </a:ext>
+            </a:extLst>
+          </p:cNvPr>
+          <p:cNvCxnSpPr>
+            <a:cxnSpLocks/>
+            <a:stCxn id="70" idx="0"/>
+            <a:endCxn id="5" idx="2"/>
+          </p:cNvCxnSpPr>
+          <p:nvPr/>
+        </p:nvCxnSpPr>
+        <p:spPr>
+          <a:xfrm rot="5400000" flipH="1" flipV="1">
+            <a:off x="1492527" y="3062032"/>
+            <a:ext cx="2418099" cy="943861"/>
+          </a:xfrm>
+          <a:prstGeom prst="bentConnector3">
+            <a:avLst>
+              <a:gd name="adj1" fmla="val 50000"/>
+            </a:avLst>
+          </a:prstGeom>
+          <a:ln w="57150">
+            <a:solidFill>
+              <a:srgbClr val="578791"/>
+            </a:solidFill>
+            <a:tailEnd type="triangle"/>
+          </a:ln>
+        </p:spPr>
+        <p:style>
+          <a:lnRef idx="1">
+            <a:schemeClr val="accent1"/>
+          </a:lnRef>
+          <a:fillRef idx="0">
+            <a:schemeClr val="accent1"/>
+          </a:fillRef>
+          <a:effectRef idx="0">
+            <a:schemeClr val="accent1"/>
+          </a:effectRef>
+          <a:fontRef idx="minor">
+            <a:schemeClr val="tx1"/>
+          </a:fontRef>
+        </p:style>
+      </p:cxnSp>
+    </p:spTree>
+    <p:extLst>
+      <p:ext uri="{BB962C8B-B14F-4D97-AF65-F5344CB8AC3E}">
+        <p14:creationId xmlns:p14="http://schemas.microsoft.com/office/powerpoint/2010/main" val="599079303"/>
+      </p:ext>
+    </p:extLst>
+  </p:cSld>
+  <p:clrMapOvr>
+    <a:masterClrMapping/>
+  </p:clrMapOvr>
+</p:sld>
+</file>
+
 <file path=ppt/theme/theme1.xml><?xml version="1.0" encoding="utf-8"?>
 <a:theme xmlns:a="http://schemas.openxmlformats.org/drawingml/2006/main" name="Office-téma">
   <a:themeElements>

--- a/Documentation/ábrák/ábrák.pptx
+++ b/Documentation/ábrák/ábrák.pptx
@@ -7070,9 +7070,9 @@
             <p:grpSpPr>
               <a:xfrm>
                 <a:off x="3172293" y="3149882"/>
-                <a:ext cx="4003481" cy="1025955"/>
+                <a:ext cx="4003480" cy="1025955"/>
                 <a:chOff x="5933872" y="2830749"/>
-                <a:chExt cx="4114801" cy="1191638"/>
+                <a:chExt cx="4114800" cy="1191638"/>
               </a:xfrm>
             </p:grpSpPr>
             <p:grpSp>
@@ -7090,9 +7090,9 @@
               <p:grpSpPr>
                 <a:xfrm>
                   <a:off x="5933872" y="2830749"/>
-                  <a:ext cx="4114801" cy="1191638"/>
+                  <a:ext cx="4114800" cy="1191638"/>
                   <a:chOff x="5933872" y="2830749"/>
-                  <a:chExt cx="4114801" cy="1191638"/>
+                  <a:chExt cx="4114800" cy="1191638"/>
                 </a:xfrm>
               </p:grpSpPr>
               <p:sp>
@@ -7161,8 +7161,8 @@
                 </p:nvSpPr>
                 <p:spPr>
                   <a:xfrm>
-                    <a:off x="7782129" y="2830749"/>
-                    <a:ext cx="2266544" cy="1186775"/>
+                    <a:off x="7946015" y="2830749"/>
+                    <a:ext cx="2102657" cy="1186775"/>
                   </a:xfrm>
                   <a:prstGeom prst="roundRect">
                     <a:avLst/>
